--- a/presentation_lr_nfl.pptx
+++ b/presentation_lr_nfl.pptx
@@ -6210,7 +6210,7 @@
         <p:spPr>
           <a:xfrm>
             <a:off x="329295" y="1602769"/>
-            <a:ext cx="5832432" cy="5816977"/>
+            <a:ext cx="5832432" cy="5262979"/>
           </a:xfrm>
           <a:prstGeom prst="rect">
             <a:avLst/>
@@ -6347,38 +6347,16 @@
                 </a:solidFill>
                 <a:latin typeface="Abadi" panose="020B0604020104020204" pitchFamily="34" charset="0"/>
               </a:rPr>
-              <a:t>Standard Deviation of Residuals: 13.58 pts</a:t>
-            </a:r>
-          </a:p>
-          <a:p>
-            <a:pPr marL="285750" indent="-285750">
-              <a:buFont typeface="Arial" panose="020B0604020202020204" pitchFamily="34" charset="0"/>
-              <a:buChar char="•"/>
-            </a:pPr>
-            <a:r>
-              <a:rPr lang="en-US" dirty="0">
-                <a:solidFill>
-                  <a:srgbClr val="013369"/>
-                </a:solidFill>
-                <a:latin typeface="Abadi" panose="020B0604020104020204" pitchFamily="34" charset="0"/>
-              </a:rPr>
-              <a:t>can expect margin to be within 13.58 pts approximately 68% of the time, since the distribution of points margin is relatively normal </a:t>
-            </a:r>
-          </a:p>
-          <a:p>
-            <a:pPr marL="742950" lvl="1" indent="-285750">
-              <a:buFont typeface="Arial" panose="020B0604020202020204" pitchFamily="34" charset="0"/>
-              <a:buChar char="•"/>
-            </a:pPr>
-            <a:r>
-              <a:rPr lang="en-US" dirty="0">
-                <a:solidFill>
-                  <a:srgbClr val="013369"/>
-                </a:solidFill>
-                <a:latin typeface="Abadi" panose="020B0604020104020204" pitchFamily="34" charset="0"/>
-              </a:rPr>
-              <a:t>(since each game adds another +x, -x to the distribution)</a:t>
-            </a:r>
+              <a:t>Can expect predicted points margin to be within 13.58 pts approximately 68% of the time, since the distribution of points margin is relatively normal </a:t>
+            </a:r>
+          </a:p>
+          <a:p>
+            <a:endParaRPr lang="en-US" dirty="0">
+              <a:solidFill>
+                <a:srgbClr val="013369"/>
+              </a:solidFill>
+              <a:latin typeface="Abadi" panose="020B0604020104020204" pitchFamily="34" charset="0"/>
+            </a:endParaRPr>
           </a:p>
           <a:p>
             <a:r>
@@ -6947,93 +6925,6 @@
               <a:t>Appendix</a:t>
             </a:r>
             <a:endParaRPr lang="en-US" dirty="0"/>
-          </a:p>
-        </p:txBody>
-      </p:sp>
-      <p:sp>
-        <p:nvSpPr>
-          <p:cNvPr id="3" name="Content Placeholder 2">
-            <a:extLst>
-              <a:ext uri="{FF2B5EF4-FFF2-40B4-BE49-F238E27FC236}">
-                <a16:creationId xmlns:a16="http://schemas.microsoft.com/office/drawing/2014/main" id="{49E1DB6A-EE9F-D744-8F23-E5E13470A670}"/>
-              </a:ext>
-            </a:extLst>
-          </p:cNvPr>
-          <p:cNvSpPr>
-            <a:spLocks noGrp="1"/>
-          </p:cNvSpPr>
-          <p:nvPr>
-            <p:ph idx="1"/>
-          </p:nvPr>
-        </p:nvSpPr>
-        <p:spPr/>
-        <p:txBody>
-          <a:bodyPr>
-            <a:normAutofit/>
-          </a:bodyPr>
-          <a:lstStyle/>
-          <a:p>
-            <a:r>
-              <a:rPr lang="en-US" sz="1800" dirty="0">
-                <a:solidFill>
-                  <a:srgbClr val="013369"/>
-                </a:solidFill>
-                <a:latin typeface="Abadi" panose="020B0604020104020204" pitchFamily="34" charset="0"/>
-              </a:rPr>
-              <a:t>Dataset</a:t>
-            </a:r>
-          </a:p>
-          <a:p>
-            <a:r>
-              <a:rPr lang="en-US" sz="1800" dirty="0">
-                <a:solidFill>
-                  <a:srgbClr val="013369"/>
-                </a:solidFill>
-                <a:latin typeface="Abadi" panose="020B0604020104020204" pitchFamily="34" charset="0"/>
-              </a:rPr>
-              <a:t>Data Gathering</a:t>
-            </a:r>
-          </a:p>
-          <a:p>
-            <a:pPr lvl="1"/>
-            <a:endParaRPr lang="en-US" sz="1400" dirty="0">
-              <a:solidFill>
-                <a:srgbClr val="013369"/>
-              </a:solidFill>
-              <a:latin typeface="Abadi" panose="020B0604020104020204" pitchFamily="34" charset="0"/>
-            </a:endParaRPr>
-          </a:p>
-          <a:p>
-            <a:r>
-              <a:rPr lang="en-US" sz="1800" dirty="0">
-                <a:solidFill>
-                  <a:srgbClr val="013369"/>
-                </a:solidFill>
-                <a:latin typeface="Abadi" panose="020B0604020104020204" pitchFamily="34" charset="0"/>
-              </a:rPr>
-              <a:t>Feature Engineering </a:t>
-            </a:r>
-          </a:p>
-          <a:p>
-            <a:pPr lvl="1"/>
-            <a:r>
-              <a:rPr lang="en-US" sz="1400" dirty="0">
-                <a:solidFill>
-                  <a:srgbClr val="013369"/>
-                </a:solidFill>
-                <a:latin typeface="Abadi" panose="020B0604020104020204" pitchFamily="34" charset="0"/>
-              </a:rPr>
-              <a:t>Home Game * EWMA Margin</a:t>
-            </a:r>
-          </a:p>
-          <a:p>
-            <a:pPr lvl="1"/>
-            <a:endParaRPr lang="en-US" sz="1400" dirty="0">
-              <a:solidFill>
-                <a:srgbClr val="013369"/>
-              </a:solidFill>
-              <a:latin typeface="Abadi" panose="020B0604020104020204" pitchFamily="34" charset="0"/>
-            </a:endParaRPr>
           </a:p>
         </p:txBody>
       </p:sp>
